--- a/Executive_Summary.pptx
+++ b/Executive_Summary.pptx
@@ -111,6 +111,11 @@
       </a:defRPr>
     </a:lvl9pPr>
   </p:defaultTextStyle>
+  <p:extLst>
+    <p:ext uri="{EFAFB233-063F-42B5-8137-9DF3F51BA10A}">
+      <p15:sldGuideLst xmlns:p15="http://schemas.microsoft.com/office/powerpoint/2012/main"/>
+    </p:ext>
+  </p:extLst>
 </p:presentation>
 </file>
 
@@ -445,7 +450,7 @@
           <a:p>
             <a:fld id="{FE4ED058-09BB-4031-B484-3F5D11564DD0}" type="datetimeFigureOut">
               <a:rPr lang="en-US" smtClean="0"/>
-              <a:t>6/2/2025</a:t>
+              <a:t>6/5/2025</a:t>
             </a:fld>
             <a:endParaRPr lang="en-US"/>
           </a:p>
@@ -769,7 +774,7 @@
           <a:p>
             <a:fld id="{FE4ED058-09BB-4031-B484-3F5D11564DD0}" type="datetimeFigureOut">
               <a:rPr lang="en-US" smtClean="0"/>
-              <a:t>6/2/2025</a:t>
+              <a:t>6/5/2025</a:t>
             </a:fld>
             <a:endParaRPr lang="en-US"/>
           </a:p>
@@ -1017,7 +1022,7 @@
           <a:p>
             <a:fld id="{FE4ED058-09BB-4031-B484-3F5D11564DD0}" type="datetimeFigureOut">
               <a:rPr lang="en-US" smtClean="0"/>
-              <a:t>6/2/2025</a:t>
+              <a:t>6/5/2025</a:t>
             </a:fld>
             <a:endParaRPr lang="en-US"/>
           </a:p>
@@ -1356,7 +1361,7 @@
           <a:p>
             <a:fld id="{FE4ED058-09BB-4031-B484-3F5D11564DD0}" type="datetimeFigureOut">
               <a:rPr lang="en-US" smtClean="0"/>
-              <a:t>6/2/2025</a:t>
+              <a:t>6/5/2025</a:t>
             </a:fld>
             <a:endParaRPr lang="en-US"/>
           </a:p>
@@ -1703,7 +1708,7 @@
           <a:p>
             <a:fld id="{FE4ED058-09BB-4031-B484-3F5D11564DD0}" type="datetimeFigureOut">
               <a:rPr lang="en-US" smtClean="0"/>
-              <a:t>6/2/2025</a:t>
+              <a:t>6/5/2025</a:t>
             </a:fld>
             <a:endParaRPr lang="en-US"/>
           </a:p>
@@ -2077,7 +2082,7 @@
           <a:p>
             <a:fld id="{FE4ED058-09BB-4031-B484-3F5D11564DD0}" type="datetimeFigureOut">
               <a:rPr lang="en-US" smtClean="0"/>
-              <a:t>6/2/2025</a:t>
+              <a:t>6/5/2025</a:t>
             </a:fld>
             <a:endParaRPr lang="en-US"/>
           </a:p>
@@ -2547,7 +2552,7 @@
           <a:p>
             <a:fld id="{FE4ED058-09BB-4031-B484-3F5D11564DD0}" type="datetimeFigureOut">
               <a:rPr lang="en-US" smtClean="0"/>
-              <a:t>6/2/2025</a:t>
+              <a:t>6/5/2025</a:t>
             </a:fld>
             <a:endParaRPr lang="en-US"/>
           </a:p>
@@ -2752,7 +2757,7 @@
           <a:p>
             <a:fld id="{FE4ED058-09BB-4031-B484-3F5D11564DD0}" type="datetimeFigureOut">
               <a:rPr lang="en-US" smtClean="0"/>
-              <a:t>6/2/2025</a:t>
+              <a:t>6/5/2025</a:t>
             </a:fld>
             <a:endParaRPr lang="en-US"/>
           </a:p>
@@ -2963,7 +2968,7 @@
           <a:p>
             <a:fld id="{FE4ED058-09BB-4031-B484-3F5D11564DD0}" type="datetimeFigureOut">
               <a:rPr lang="en-US" smtClean="0"/>
-              <a:t>6/2/2025</a:t>
+              <a:t>6/5/2025</a:t>
             </a:fld>
             <a:endParaRPr lang="en-US"/>
           </a:p>
@@ -3196,7 +3201,7 @@
             <a:fld id="{FE4ED058-09BB-4031-B484-3F5D11564DD0}" type="datetimeFigureOut">
               <a:rPr lang="en-US" smtClean="0"/>
               <a:pPr/>
-              <a:t>6/2/2025</a:t>
+              <a:t>6/5/2025</a:t>
             </a:fld>
             <a:endParaRPr lang="en-US"/>
           </a:p>
@@ -3445,7 +3450,7 @@
           <a:p>
             <a:fld id="{FE4ED058-09BB-4031-B484-3F5D11564DD0}" type="datetimeFigureOut">
               <a:rPr lang="en-US" smtClean="0"/>
-              <a:t>6/2/2025</a:t>
+              <a:t>6/5/2025</a:t>
             </a:fld>
             <a:endParaRPr lang="en-US"/>
           </a:p>
@@ -3743,7 +3748,7 @@
           <a:p>
             <a:fld id="{FE4ED058-09BB-4031-B484-3F5D11564DD0}" type="datetimeFigureOut">
               <a:rPr lang="en-US" smtClean="0"/>
-              <a:t>6/2/2025</a:t>
+              <a:t>6/5/2025</a:t>
             </a:fld>
             <a:endParaRPr lang="en-US"/>
           </a:p>
@@ -4137,7 +4142,7 @@
           <a:p>
             <a:fld id="{FE4ED058-09BB-4031-B484-3F5D11564DD0}" type="datetimeFigureOut">
               <a:rPr lang="en-US" smtClean="0"/>
-              <a:t>6/2/2025</a:t>
+              <a:t>6/5/2025</a:t>
             </a:fld>
             <a:endParaRPr lang="en-US"/>
           </a:p>
@@ -4286,7 +4291,7 @@
           <a:p>
             <a:fld id="{FE4ED058-09BB-4031-B484-3F5D11564DD0}" type="datetimeFigureOut">
               <a:rPr lang="en-US" smtClean="0"/>
-              <a:t>6/2/2025</a:t>
+              <a:t>6/5/2025</a:t>
             </a:fld>
             <a:endParaRPr lang="en-US"/>
           </a:p>
@@ -4412,7 +4417,7 @@
           <a:p>
             <a:fld id="{FE4ED058-09BB-4031-B484-3F5D11564DD0}" type="datetimeFigureOut">
               <a:rPr lang="en-US" smtClean="0"/>
-              <a:t>6/2/2025</a:t>
+              <a:t>6/5/2025</a:t>
             </a:fld>
             <a:endParaRPr lang="en-US"/>
           </a:p>
@@ -4667,7 +4672,7 @@
           <a:p>
             <a:fld id="{FE4ED058-09BB-4031-B484-3F5D11564DD0}" type="datetimeFigureOut">
               <a:rPr lang="en-US" smtClean="0"/>
-              <a:t>6/2/2025</a:t>
+              <a:t>6/5/2025</a:t>
             </a:fld>
             <a:endParaRPr lang="en-US"/>
           </a:p>
@@ -4982,7 +4987,7 @@
           <a:p>
             <a:fld id="{FE4ED058-09BB-4031-B484-3F5D11564DD0}" type="datetimeFigureOut">
               <a:rPr lang="en-US" smtClean="0"/>
-              <a:t>6/2/2025</a:t>
+              <a:t>6/5/2025</a:t>
             </a:fld>
             <a:endParaRPr lang="en-US"/>
           </a:p>
@@ -5333,7 +5338,7 @@
           <a:p>
             <a:fld id="{FE4ED058-09BB-4031-B484-3F5D11564DD0}" type="datetimeFigureOut">
               <a:rPr lang="en-US" smtClean="0"/>
-              <a:t>6/2/2025</a:t>
+              <a:t>6/5/2025</a:t>
             </a:fld>
             <a:endParaRPr lang="en-US"/>
           </a:p>
@@ -6964,7 +6969,7 @@
                 <a:latin typeface="Times New Roman" panose="02020603050405020304" pitchFamily="18" charset="0"/>
                 <a:cs typeface="Times New Roman" panose="02020603050405020304" pitchFamily="18" charset="0"/>
               </a:rPr>
-              <a:t>Model accuracy and precision are 61% and 65% respectively.</a:t>
+              <a:t>Model accuracy and precision are 64% and 66% respectively.</a:t>
             </a:r>
           </a:p>
           <a:p>
@@ -7041,10 +7046,10 @@
       </p:sp>
       <p:pic>
         <p:nvPicPr>
-          <p:cNvPr id="5" name="Picture 4" descr="A chart with numbers and a few colored squares&#10;&#10;AI-generated content may be incorrect.">
+          <p:cNvPr id="6" name="Picture 5" descr="A chart with numbers and a few colored squares&#10;&#10;AI-generated content may be incorrect.">
             <a:extLst>
               <a:ext uri="{FF2B5EF4-FFF2-40B4-BE49-F238E27FC236}">
-                <a16:creationId xmlns:a16="http://schemas.microsoft.com/office/drawing/2014/main" id="{A6C86F06-541F-B533-2E33-715CBF355973}"/>
+                <a16:creationId xmlns:a16="http://schemas.microsoft.com/office/drawing/2014/main" id="{71ECB65E-06C6-79C3-2F98-FA356BB09340}"/>
               </a:ext>
             </a:extLst>
           </p:cNvPr>
@@ -7067,8 +7072,8 @@
         </p:blipFill>
         <p:spPr>
           <a:xfrm>
-            <a:off x="7143575" y="2557462"/>
-            <a:ext cx="4157698" cy="3118273"/>
+            <a:off x="7013049" y="2591443"/>
+            <a:ext cx="4378525" cy="3283894"/>
           </a:xfrm>
           <a:prstGeom prst="rect">
             <a:avLst/>
